--- a/2(서랍)에서 퀴즈를 풀면 건전지가.pptx
+++ b/2(서랍)에서 퀴즈를 풀면 건전지가.pptx
@@ -10,6 +10,7 @@
     <p:sldId id="259" r:id="rId4"/>
     <p:sldId id="260" r:id="rId5"/>
     <p:sldId id="261" r:id="rId6"/>
+    <p:sldId id="262" r:id="rId7"/>
   </p:sldIdLst>
   <p:sldSz cx="9144000" cy="6858000" type="screen4x3"/>
   <p:notesSz cx="6858000" cy="9144000"/>
@@ -292,7 +293,7 @@
           <a:p>
             <a:fld id="{9A0523CE-796F-454D-BF9F-1EFC40C93C04}" type="datetimeFigureOut">
               <a:rPr lang="ko-KR" altLang="en-US" smtClean="0"/>
-              <a:t>2023-07-26</a:t>
+              <a:t>2023-09-18</a:t>
             </a:fld>
             <a:endParaRPr lang="ko-KR" altLang="en-US"/>
           </a:p>
@@ -462,7 +463,7 @@
           <a:p>
             <a:fld id="{9A0523CE-796F-454D-BF9F-1EFC40C93C04}" type="datetimeFigureOut">
               <a:rPr lang="ko-KR" altLang="en-US" smtClean="0"/>
-              <a:t>2023-07-26</a:t>
+              <a:t>2023-09-18</a:t>
             </a:fld>
             <a:endParaRPr lang="ko-KR" altLang="en-US"/>
           </a:p>
@@ -642,7 +643,7 @@
           <a:p>
             <a:fld id="{9A0523CE-796F-454D-BF9F-1EFC40C93C04}" type="datetimeFigureOut">
               <a:rPr lang="ko-KR" altLang="en-US" smtClean="0"/>
-              <a:t>2023-07-26</a:t>
+              <a:t>2023-09-18</a:t>
             </a:fld>
             <a:endParaRPr lang="ko-KR" altLang="en-US"/>
           </a:p>
@@ -812,7 +813,7 @@
           <a:p>
             <a:fld id="{9A0523CE-796F-454D-BF9F-1EFC40C93C04}" type="datetimeFigureOut">
               <a:rPr lang="ko-KR" altLang="en-US" smtClean="0"/>
-              <a:t>2023-07-26</a:t>
+              <a:t>2023-09-18</a:t>
             </a:fld>
             <a:endParaRPr lang="ko-KR" altLang="en-US"/>
           </a:p>
@@ -1058,7 +1059,7 @@
           <a:p>
             <a:fld id="{9A0523CE-796F-454D-BF9F-1EFC40C93C04}" type="datetimeFigureOut">
               <a:rPr lang="ko-KR" altLang="en-US" smtClean="0"/>
-              <a:t>2023-07-26</a:t>
+              <a:t>2023-09-18</a:t>
             </a:fld>
             <a:endParaRPr lang="ko-KR" altLang="en-US"/>
           </a:p>
@@ -1346,7 +1347,7 @@
           <a:p>
             <a:fld id="{9A0523CE-796F-454D-BF9F-1EFC40C93C04}" type="datetimeFigureOut">
               <a:rPr lang="ko-KR" altLang="en-US" smtClean="0"/>
-              <a:t>2023-07-26</a:t>
+              <a:t>2023-09-18</a:t>
             </a:fld>
             <a:endParaRPr lang="ko-KR" altLang="en-US"/>
           </a:p>
@@ -1768,7 +1769,7 @@
           <a:p>
             <a:fld id="{9A0523CE-796F-454D-BF9F-1EFC40C93C04}" type="datetimeFigureOut">
               <a:rPr lang="ko-KR" altLang="en-US" smtClean="0"/>
-              <a:t>2023-07-26</a:t>
+              <a:t>2023-09-18</a:t>
             </a:fld>
             <a:endParaRPr lang="ko-KR" altLang="en-US"/>
           </a:p>
@@ -1886,7 +1887,7 @@
           <a:p>
             <a:fld id="{9A0523CE-796F-454D-BF9F-1EFC40C93C04}" type="datetimeFigureOut">
               <a:rPr lang="ko-KR" altLang="en-US" smtClean="0"/>
-              <a:t>2023-07-26</a:t>
+              <a:t>2023-09-18</a:t>
             </a:fld>
             <a:endParaRPr lang="ko-KR" altLang="en-US"/>
           </a:p>
@@ -1981,7 +1982,7 @@
           <a:p>
             <a:fld id="{9A0523CE-796F-454D-BF9F-1EFC40C93C04}" type="datetimeFigureOut">
               <a:rPr lang="ko-KR" altLang="en-US" smtClean="0"/>
-              <a:t>2023-07-26</a:t>
+              <a:t>2023-09-18</a:t>
             </a:fld>
             <a:endParaRPr lang="ko-KR" altLang="en-US"/>
           </a:p>
@@ -2258,7 +2259,7 @@
           <a:p>
             <a:fld id="{9A0523CE-796F-454D-BF9F-1EFC40C93C04}" type="datetimeFigureOut">
               <a:rPr lang="ko-KR" altLang="en-US" smtClean="0"/>
-              <a:t>2023-07-26</a:t>
+              <a:t>2023-09-18</a:t>
             </a:fld>
             <a:endParaRPr lang="ko-KR" altLang="en-US"/>
           </a:p>
@@ -2511,7 +2512,7 @@
           <a:p>
             <a:fld id="{9A0523CE-796F-454D-BF9F-1EFC40C93C04}" type="datetimeFigureOut">
               <a:rPr lang="ko-KR" altLang="en-US" smtClean="0"/>
-              <a:t>2023-07-26</a:t>
+              <a:t>2023-09-18</a:t>
             </a:fld>
             <a:endParaRPr lang="ko-KR" altLang="en-US"/>
           </a:p>
@@ -2724,7 +2725,7 @@
           <a:p>
             <a:fld id="{9A0523CE-796F-454D-BF9F-1EFC40C93C04}" type="datetimeFigureOut">
               <a:rPr lang="ko-KR" altLang="en-US" smtClean="0"/>
-              <a:t>2023-07-26</a:t>
+              <a:t>2023-09-18</a:t>
             </a:fld>
             <a:endParaRPr lang="ko-KR" altLang="en-US"/>
           </a:p>
@@ -4883,6 +4884,208 @@
     <p:extLst>
       <p:ext uri="{BB962C8B-B14F-4D97-AF65-F5344CB8AC3E}">
         <p14:creationId xmlns:p14="http://schemas.microsoft.com/office/powerpoint/2010/main" val="4256986469"/>
+      </p:ext>
+    </p:extLst>
+  </p:cSld>
+  <p:clrMapOvr>
+    <a:masterClrMapping/>
+  </p:clrMapOvr>
+</p:sld>
+</file>
+
+<file path=ppt/slides/slide6.xml><?xml version="1.0" encoding="utf-8"?>
+<p:sld xmlns:a="http://schemas.openxmlformats.org/drawingml/2006/main" xmlns:r="http://schemas.openxmlformats.org/officeDocument/2006/relationships" xmlns:p="http://schemas.openxmlformats.org/presentationml/2006/main">
+  <p:cSld>
+    <p:spTree>
+      <p:nvGrpSpPr>
+        <p:cNvPr id="1" name=""/>
+        <p:cNvGrpSpPr/>
+        <p:nvPr/>
+      </p:nvGrpSpPr>
+      <p:grpSpPr>
+        <a:xfrm>
+          <a:off x="0" y="0"/>
+          <a:ext cx="0" cy="0"/>
+          <a:chOff x="0" y="0"/>
+          <a:chExt cx="0" cy="0"/>
+        </a:xfrm>
+      </p:grpSpPr>
+      <p:pic>
+        <p:nvPicPr>
+          <p:cNvPr id="1026" name="Picture 2" descr="C:\이민수\minsupanda\방탈출 ui.png"/>
+          <p:cNvPicPr>
+            <a:picLocks noChangeAspect="1" noChangeArrowheads="1"/>
+          </p:cNvPicPr>
+          <p:nvPr/>
+        </p:nvPicPr>
+        <p:blipFill>
+          <a:blip r:embed="rId2">
+            <a:extLst>
+              <a:ext uri="{28A0092B-C50C-407E-A947-70E740481C1C}">
+                <a14:useLocalDpi xmlns:a14="http://schemas.microsoft.com/office/drawing/2010/main" val="0"/>
+              </a:ext>
+            </a:extLst>
+          </a:blip>
+          <a:srcRect/>
+          <a:stretch>
+            <a:fillRect/>
+          </a:stretch>
+        </p:blipFill>
+        <p:spPr bwMode="auto">
+          <a:xfrm>
+            <a:off x="827584" y="-14830"/>
+            <a:ext cx="7344816" cy="4464843"/>
+          </a:xfrm>
+          <a:prstGeom prst="rect">
+            <a:avLst/>
+          </a:prstGeom>
+          <a:noFill/>
+          <a:extLst>
+            <a:ext uri="{909E8E84-426E-40DD-AFC4-6F175D3DCCD1}">
+              <a14:hiddenFill xmlns:a14="http://schemas.microsoft.com/office/drawing/2010/main">
+                <a:solidFill>
+                  <a:srgbClr val="FFFFFF"/>
+                </a:solidFill>
+              </a14:hiddenFill>
+            </a:ext>
+          </a:extLst>
+        </p:spPr>
+      </p:pic>
+      <p:sp>
+        <p:nvSpPr>
+          <p:cNvPr id="8" name="제목 1"/>
+          <p:cNvSpPr txBox="1">
+            <a:spLocks/>
+          </p:cNvSpPr>
+          <p:nvPr/>
+        </p:nvSpPr>
+        <p:spPr>
+          <a:xfrm>
+            <a:off x="538854" y="4581128"/>
+            <a:ext cx="7632848" cy="1847099"/>
+          </a:xfrm>
+          <a:prstGeom prst="rect">
+            <a:avLst/>
+          </a:prstGeom>
+        </p:spPr>
+        <p:txBody>
+          <a:bodyPr vert="horz" lIns="91440" tIns="45720" rIns="91440" bIns="45720" rtlCol="0" anchor="ctr">
+            <a:normAutofit fontScale="97500"/>
+          </a:bodyPr>
+          <a:lstStyle>
+            <a:lvl1pPr algn="ctr" defTabSz="914400" rtl="0" eaLnBrk="1" latinLnBrk="1" hangingPunct="1">
+              <a:spcBef>
+                <a:spcPct val="0"/>
+              </a:spcBef>
+              <a:buNone/>
+              <a:defRPr sz="4400" kern="1200">
+                <a:solidFill>
+                  <a:schemeClr val="tx1"/>
+                </a:solidFill>
+                <a:latin typeface="+mj-lt"/>
+                <a:ea typeface="+mj-ea"/>
+                <a:cs typeface="+mj-cs"/>
+              </a:defRPr>
+            </a:lvl1pPr>
+          </a:lstStyle>
+          <a:p>
+            <a:r>
+              <a:rPr lang="en-US" altLang="ko-KR" sz="1400" dirty="0" smtClean="0"/>
+              <a:t>Tab </a:t>
+            </a:r>
+            <a:r>
+              <a:rPr lang="ko-KR" altLang="en-US" sz="1400" dirty="0" smtClean="0"/>
+              <a:t>을 누르면 </a:t>
+            </a:r>
+            <a:r>
+              <a:rPr lang="en-US" altLang="ko-KR" sz="1400" dirty="0" smtClean="0"/>
+              <a:t>item</a:t>
+            </a:r>
+            <a:r>
+              <a:rPr lang="ko-KR" altLang="en-US" sz="1400" dirty="0" smtClean="0"/>
+              <a:t>창으로 이동</a:t>
+            </a:r>
+            <a:endParaRPr lang="en-US" altLang="ko-KR" sz="1400" dirty="0" smtClean="0"/>
+          </a:p>
+          <a:p>
+            <a:r>
+              <a:rPr lang="ko-KR" altLang="en-US" sz="1400" dirty="0" smtClean="0"/>
+              <a:t>방향키로 </a:t>
+            </a:r>
+            <a:r>
+              <a:rPr lang="en-US" altLang="ko-KR" sz="1400" dirty="0" smtClean="0"/>
+              <a:t>item</a:t>
+            </a:r>
+            <a:r>
+              <a:rPr lang="ko-KR" altLang="en-US" sz="1400" dirty="0" smtClean="0"/>
+              <a:t>창 조작</a:t>
+            </a:r>
+            <a:endParaRPr lang="en-US" altLang="ko-KR" sz="1400" dirty="0" smtClean="0"/>
+          </a:p>
+          <a:p>
+            <a:r>
+              <a:rPr lang="en-US" altLang="ko-KR" sz="1400" dirty="0" smtClean="0"/>
+              <a:t>Space</a:t>
+            </a:r>
+            <a:r>
+              <a:rPr lang="ko-KR" altLang="en-US" sz="1400" dirty="0" smtClean="0"/>
+              <a:t>로 아이템 선택</a:t>
+            </a:r>
+            <a:endParaRPr lang="en-US" altLang="ko-KR" sz="1400" dirty="0" smtClean="0"/>
+          </a:p>
+          <a:p>
+            <a:endParaRPr lang="en-US" altLang="ko-KR" sz="1400" dirty="0"/>
+          </a:p>
+          <a:p>
+            <a:r>
+              <a:rPr lang="en-US" altLang="ko-KR" sz="1400" dirty="0" smtClean="0"/>
+              <a:t>Esc </a:t>
+            </a:r>
+            <a:r>
+              <a:rPr lang="ko-KR" altLang="en-US" sz="1400" dirty="0" smtClean="0"/>
+              <a:t>누르면 </a:t>
+            </a:r>
+            <a:r>
+              <a:rPr lang="en-US" altLang="ko-KR" sz="1400" dirty="0" err="1" smtClean="0"/>
+              <a:t>ui</a:t>
+            </a:r>
+            <a:r>
+              <a:rPr lang="en-US" altLang="ko-KR" sz="1400" dirty="0" smtClean="0"/>
+              <a:t> </a:t>
+            </a:r>
+            <a:r>
+              <a:rPr lang="ko-KR" altLang="en-US" sz="1400" dirty="0" smtClean="0"/>
+              <a:t>창 활성</a:t>
+            </a:r>
+            <a:endParaRPr lang="en-US" altLang="ko-KR" sz="1400" dirty="0" smtClean="0"/>
+          </a:p>
+          <a:p>
+            <a:r>
+              <a:rPr lang="ko-KR" altLang="en-US" sz="1400" dirty="0" smtClean="0"/>
+              <a:t>방향키로 조작</a:t>
+            </a:r>
+            <a:endParaRPr lang="en-US" altLang="ko-KR" sz="1400" dirty="0" smtClean="0"/>
+          </a:p>
+          <a:p>
+            <a:r>
+              <a:rPr lang="en-US" altLang="ko-KR" sz="1400" dirty="0" smtClean="0"/>
+              <a:t>Enter</a:t>
+            </a:r>
+            <a:r>
+              <a:rPr lang="ko-KR" altLang="en-US" sz="1400" dirty="0" smtClean="0"/>
+              <a:t>로 선택</a:t>
+            </a:r>
+            <a:endParaRPr lang="en-US" altLang="ko-KR" sz="1400" dirty="0" smtClean="0"/>
+          </a:p>
+          <a:p>
+            <a:endParaRPr lang="ko-KR" altLang="en-US" sz="1400" dirty="0"/>
+          </a:p>
+        </p:txBody>
+      </p:sp>
+    </p:spTree>
+    <p:extLst>
+      <p:ext uri="{BB962C8B-B14F-4D97-AF65-F5344CB8AC3E}">
+        <p14:creationId xmlns:p14="http://schemas.microsoft.com/office/powerpoint/2010/main" val="3117687342"/>
       </p:ext>
     </p:extLst>
   </p:cSld>

--- a/2(서랍)에서 퀴즈를 풀면 건전지가.pptx
+++ b/2(서랍)에서 퀴즈를 풀면 건전지가.pptx
@@ -293,7 +293,7 @@
           <a:p>
             <a:fld id="{9A0523CE-796F-454D-BF9F-1EFC40C93C04}" type="datetimeFigureOut">
               <a:rPr lang="ko-KR" altLang="en-US" smtClean="0"/>
-              <a:t>2023-09-18</a:t>
+              <a:t>2023-09-19</a:t>
             </a:fld>
             <a:endParaRPr lang="ko-KR" altLang="en-US"/>
           </a:p>
@@ -463,7 +463,7 @@
           <a:p>
             <a:fld id="{9A0523CE-796F-454D-BF9F-1EFC40C93C04}" type="datetimeFigureOut">
               <a:rPr lang="ko-KR" altLang="en-US" smtClean="0"/>
-              <a:t>2023-09-18</a:t>
+              <a:t>2023-09-19</a:t>
             </a:fld>
             <a:endParaRPr lang="ko-KR" altLang="en-US"/>
           </a:p>
@@ -643,7 +643,7 @@
           <a:p>
             <a:fld id="{9A0523CE-796F-454D-BF9F-1EFC40C93C04}" type="datetimeFigureOut">
               <a:rPr lang="ko-KR" altLang="en-US" smtClean="0"/>
-              <a:t>2023-09-18</a:t>
+              <a:t>2023-09-19</a:t>
             </a:fld>
             <a:endParaRPr lang="ko-KR" altLang="en-US"/>
           </a:p>
@@ -813,7 +813,7 @@
           <a:p>
             <a:fld id="{9A0523CE-796F-454D-BF9F-1EFC40C93C04}" type="datetimeFigureOut">
               <a:rPr lang="ko-KR" altLang="en-US" smtClean="0"/>
-              <a:t>2023-09-18</a:t>
+              <a:t>2023-09-19</a:t>
             </a:fld>
             <a:endParaRPr lang="ko-KR" altLang="en-US"/>
           </a:p>
@@ -1059,7 +1059,7 @@
           <a:p>
             <a:fld id="{9A0523CE-796F-454D-BF9F-1EFC40C93C04}" type="datetimeFigureOut">
               <a:rPr lang="ko-KR" altLang="en-US" smtClean="0"/>
-              <a:t>2023-09-18</a:t>
+              <a:t>2023-09-19</a:t>
             </a:fld>
             <a:endParaRPr lang="ko-KR" altLang="en-US"/>
           </a:p>
@@ -1347,7 +1347,7 @@
           <a:p>
             <a:fld id="{9A0523CE-796F-454D-BF9F-1EFC40C93C04}" type="datetimeFigureOut">
               <a:rPr lang="ko-KR" altLang="en-US" smtClean="0"/>
-              <a:t>2023-09-18</a:t>
+              <a:t>2023-09-19</a:t>
             </a:fld>
             <a:endParaRPr lang="ko-KR" altLang="en-US"/>
           </a:p>
@@ -1769,7 +1769,7 @@
           <a:p>
             <a:fld id="{9A0523CE-796F-454D-BF9F-1EFC40C93C04}" type="datetimeFigureOut">
               <a:rPr lang="ko-KR" altLang="en-US" smtClean="0"/>
-              <a:t>2023-09-18</a:t>
+              <a:t>2023-09-19</a:t>
             </a:fld>
             <a:endParaRPr lang="ko-KR" altLang="en-US"/>
           </a:p>
@@ -1887,7 +1887,7 @@
           <a:p>
             <a:fld id="{9A0523CE-796F-454D-BF9F-1EFC40C93C04}" type="datetimeFigureOut">
               <a:rPr lang="ko-KR" altLang="en-US" smtClean="0"/>
-              <a:t>2023-09-18</a:t>
+              <a:t>2023-09-19</a:t>
             </a:fld>
             <a:endParaRPr lang="ko-KR" altLang="en-US"/>
           </a:p>
@@ -1982,7 +1982,7 @@
           <a:p>
             <a:fld id="{9A0523CE-796F-454D-BF9F-1EFC40C93C04}" type="datetimeFigureOut">
               <a:rPr lang="ko-KR" altLang="en-US" smtClean="0"/>
-              <a:t>2023-09-18</a:t>
+              <a:t>2023-09-19</a:t>
             </a:fld>
             <a:endParaRPr lang="ko-KR" altLang="en-US"/>
           </a:p>
@@ -2259,7 +2259,7 @@
           <a:p>
             <a:fld id="{9A0523CE-796F-454D-BF9F-1EFC40C93C04}" type="datetimeFigureOut">
               <a:rPr lang="ko-KR" altLang="en-US" smtClean="0"/>
-              <a:t>2023-09-18</a:t>
+              <a:t>2023-09-19</a:t>
             </a:fld>
             <a:endParaRPr lang="ko-KR" altLang="en-US"/>
           </a:p>
@@ -2512,7 +2512,7 @@
           <a:p>
             <a:fld id="{9A0523CE-796F-454D-BF9F-1EFC40C93C04}" type="datetimeFigureOut">
               <a:rPr lang="ko-KR" altLang="en-US" smtClean="0"/>
-              <a:t>2023-09-18</a:t>
+              <a:t>2023-09-19</a:t>
             </a:fld>
             <a:endParaRPr lang="ko-KR" altLang="en-US"/>
           </a:p>
@@ -2725,7 +2725,7 @@
           <a:p>
             <a:fld id="{9A0523CE-796F-454D-BF9F-1EFC40C93C04}" type="datetimeFigureOut">
               <a:rPr lang="ko-KR" altLang="en-US" smtClean="0"/>
-              <a:t>2023-09-18</a:t>
+              <a:t>2023-09-19</a:t>
             </a:fld>
             <a:endParaRPr lang="ko-KR" altLang="en-US"/>
           </a:p>
